--- a/Mini Project 1/Mini Project 1.PPTX
+++ b/Mini Project 1/Mini Project 1.PPTX
@@ -12103,25 +12103,13 @@
             </a:r>
           </a:p>
           <a:p>
-            <a:pPr marL="0" indent="0">
-              <a:buNone/>
+            <a:pPr>
+              <a:buFontTx/>
+              <a:buChar char="-"/>
             </a:pPr>
             <a:r>
-              <a:rPr lang="en-NZ" sz="1400" dirty="0"/>
-              <a:t>-    </a:t>
-            </a:r>
-            <a:r>
               <a:rPr lang="en-NZ" sz="1800" dirty="0"/>
-              <a:t>Variance</a:t>
-            </a:r>
-          </a:p>
-          <a:p>
-            <a:pPr marL="457200" lvl="1" indent="0">
-              <a:buNone/>
-            </a:pPr>
-            <a:r>
-              <a:rPr lang="en-NZ" sz="1400" dirty="0"/>
-              <a:t>-    var_price_over_11000 = 68.44 </a:t>
+              <a:t>Hypothesis Question</a:t>
             </a:r>
           </a:p>
           <a:p>
@@ -12131,7 +12119,17 @@
             </a:pPr>
             <a:r>
               <a:rPr lang="en-NZ" sz="1400" dirty="0"/>
-              <a:t>var_price_under_11000 = 69.94</a:t>
+              <a:t>H0 – People pay high price for short journey</a:t>
+            </a:r>
+          </a:p>
+          <a:p>
+            <a:pPr lvl="1">
+              <a:buFontTx/>
+              <a:buChar char="-"/>
+            </a:pPr>
+            <a:r>
+              <a:rPr lang="en-NZ" sz="1400" dirty="0"/>
+              <a:t>H1 -  Fare price increases for longer journeys </a:t>
             </a:r>
           </a:p>
           <a:p>
@@ -12245,7 +12243,7 @@
                 <a:effectLst/>
                 <a:latin typeface="var(--jp-code-font-family)"/>
               </a:rPr>
-              <a:t>we reject our null hypothesis because p-value was less than 0.05 and accepted alternative . </a:t>
+              <a:t>we rejected our null hypothesis and accepted alternative . </a:t>
             </a:r>
           </a:p>
           <a:p>
@@ -12278,7 +12276,26 @@
                 <a:effectLst/>
                 <a:latin typeface="var(--jp-code-font-family)"/>
               </a:rPr>
-              <a:t>Fare price increases for longer duration.</a:t>
+              <a:t>Fare price increases for longer </a:t>
+            </a:r>
+            <a:r>
+              <a:rPr lang="en-US" altLang="en-US" sz="1400" dirty="0">
+                <a:latin typeface="var(--jp-code-font-family)"/>
+              </a:rPr>
+              <a:t>journeys</a:t>
+            </a:r>
+            <a:r>
+              <a:rPr kumimoji="0" lang="en-US" altLang="en-US" sz="1400" b="0" i="0" u="none" strike="noStrike" cap="none" normalizeH="0" baseline="0" dirty="0">
+                <a:ln>
+                  <a:noFill/>
+                </a:ln>
+                <a:solidFill>
+                  <a:schemeClr val="tx1"/>
+                </a:solidFill>
+                <a:effectLst/>
+                <a:latin typeface="var(--jp-code-font-family)"/>
+              </a:rPr>
+              <a:t>.</a:t>
             </a:r>
             <a:r>
               <a:rPr kumimoji="0" lang="en-US" altLang="en-US" sz="1200" b="0" i="0" u="none" strike="noStrike" cap="none" normalizeH="0" baseline="0" dirty="0">
@@ -15349,6 +15366,11 @@
               </a:rPr>
               <a:t>-   My data is India’s 2019 flight details csv file sourced from     Kaggle project which has all the features discussed in context</a:t>
             </a:r>
+            <a:endParaRPr lang="en-NZ" sz="1400" dirty="0">
+              <a:solidFill>
+                <a:schemeClr val="bg1"/>
+              </a:solidFill>
+            </a:endParaRPr>
           </a:p>
           <a:p>
             <a:pPr lvl="1">
@@ -15361,21 +15383,7 @@
                   <a:schemeClr val="bg1"/>
                 </a:solidFill>
               </a:rPr>
-              <a:t>Different Airlines </a:t>
-            </a:r>
-          </a:p>
-          <a:p>
-            <a:pPr lvl="1">
-              <a:buFontTx/>
-              <a:buChar char="-"/>
-            </a:pPr>
-            <a:r>
-              <a:rPr lang="en-NZ" sz="1400" dirty="0">
-                <a:solidFill>
-                  <a:schemeClr val="bg1"/>
-                </a:solidFill>
-              </a:rPr>
-              <a:t>Date of Journey, From and To, Total Stops, Departure and Arrival Times, Routes, Duration.</a:t>
+              <a:t>Different Airlines, Date of Journey, From and To, Total Stops, Departure and Arrival Times, Routes, Duration.</a:t>
             </a:r>
           </a:p>
           <a:p>
@@ -16004,7 +16012,7 @@
         <p:spPr bwMode="auto">
           <a:xfrm>
             <a:off x="2332653" y="2273574"/>
-            <a:ext cx="5806610" cy="4241415"/>
+            <a:ext cx="6698458" cy="4241415"/>
           </a:xfrm>
           <a:prstGeom prst="rect">
             <a:avLst/>
